--- a/slides/Unit21_The assert Macro.pptx
+++ b/slides/Unit21_The assert Macro.pptx
@@ -5,16 +5,17 @@
     <p:sldMasterId id="2147485087" r:id="rId1"/>
   </p:sldMasterIdLst>
   <p:notesMasterIdLst>
-    <p:notesMasterId r:id="rId6"/>
+    <p:notesMasterId r:id="rId7"/>
   </p:notesMasterIdLst>
   <p:handoutMasterIdLst>
-    <p:handoutMasterId r:id="rId7"/>
+    <p:handoutMasterId r:id="rId8"/>
   </p:handoutMasterIdLst>
   <p:sldIdLst>
     <p:sldId id="256" r:id="rId2"/>
     <p:sldId id="468" r:id="rId3"/>
     <p:sldId id="618" r:id="rId4"/>
     <p:sldId id="617" r:id="rId5"/>
+    <p:sldId id="619" r:id="rId6"/>
   </p:sldIdLst>
   <p:sldSz cx="9144000" cy="6858000" type="screen4x3"/>
   <p:notesSz cx="7010400" cy="9296400"/>
@@ -179,7 +180,7 @@
 <file path=ppt/revisionInfo.xml><?xml version="1.0" encoding="utf-8"?>
 <p1510:revInfo xmlns:a="http://schemas.openxmlformats.org/drawingml/2006/main" xmlns:r="http://schemas.openxmlformats.org/officeDocument/2006/relationships" xmlns:p1510="http://schemas.microsoft.com/office/powerpoint/2015/10/main">
   <p1510:revLst>
-    <p1510:client id="{9793B340-B2C7-4054-B466-CFAD81FCC043}" v="95" dt="2021-03-10T06:44:16.913"/>
+    <p1510:client id="{9793B340-B2C7-4054-B466-CFAD81FCC043}" v="604" dt="2021-03-15T03:37:58.566"/>
   </p1510:revLst>
 </p1510:revInfo>
 </file>
@@ -189,7 +190,7 @@
   <pc:docChgLst>
     <pc:chgData name="Zhao Jin" userId="cd05a825-544c-438a-9ba1-08e63db50b47" providerId="ADAL" clId="{9793B340-B2C7-4054-B466-CFAD81FCC043}"/>
     <pc:docChg chg="undo redo custSel addSld delSld modSld sldOrd modMainMaster">
-      <pc:chgData name="Zhao Jin" userId="cd05a825-544c-438a-9ba1-08e63db50b47" providerId="ADAL" clId="{9793B340-B2C7-4054-B466-CFAD81FCC043}" dt="2021-03-10T06:47:54.386" v="957" actId="1035"/>
+      <pc:chgData name="Zhao Jin" userId="cd05a825-544c-438a-9ba1-08e63db50b47" providerId="ADAL" clId="{9793B340-B2C7-4054-B466-CFAD81FCC043}" dt="2021-03-15T03:37:58.566" v="1549" actId="207"/>
       <pc:docMkLst>
         <pc:docMk/>
       </pc:docMkLst>
@@ -278,7 +279,7 @@
         </pc:spChg>
       </pc:sldChg>
       <pc:sldChg chg="addSp delSp modSp mod ord delAnim modAnim">
-        <pc:chgData name="Zhao Jin" userId="cd05a825-544c-438a-9ba1-08e63db50b47" providerId="ADAL" clId="{9793B340-B2C7-4054-B466-CFAD81FCC043}" dt="2021-03-10T06:47:54.386" v="957" actId="1035"/>
+        <pc:chgData name="Zhao Jin" userId="cd05a825-544c-438a-9ba1-08e63db50b47" providerId="ADAL" clId="{9793B340-B2C7-4054-B466-CFAD81FCC043}" dt="2021-03-15T03:37:58.566" v="1549" actId="207"/>
         <pc:sldMkLst>
           <pc:docMk/>
           <pc:sldMk cId="1813128722" sldId="617"/>
@@ -291,12 +292,36 @@
             <ac:spMk id="7" creationId="{00000000-0000-0000-0000-000000000000}"/>
           </ac:spMkLst>
         </pc:spChg>
-        <pc:spChg chg="mod">
-          <ac:chgData name="Zhao Jin" userId="cd05a825-544c-438a-9ba1-08e63db50b47" providerId="ADAL" clId="{9793B340-B2C7-4054-B466-CFAD81FCC043}" dt="2021-03-10T06:47:12.446" v="923" actId="20577"/>
+        <pc:spChg chg="add del mod">
+          <ac:chgData name="Zhao Jin" userId="cd05a825-544c-438a-9ba1-08e63db50b47" providerId="ADAL" clId="{9793B340-B2C7-4054-B466-CFAD81FCC043}" dt="2021-03-15T03:35:31.523" v="1384" actId="478"/>
+          <ac:spMkLst>
+            <pc:docMk/>
+            <pc:sldMk cId="1813128722" sldId="617"/>
+            <ac:spMk id="8" creationId="{FC7FF6B8-9A9D-464E-BF53-1638665899AA}"/>
+          </ac:spMkLst>
+        </pc:spChg>
+        <pc:spChg chg="add del mod">
+          <ac:chgData name="Zhao Jin" userId="cd05a825-544c-438a-9ba1-08e63db50b47" providerId="ADAL" clId="{9793B340-B2C7-4054-B466-CFAD81FCC043}" dt="2021-03-15T03:35:31.523" v="1384" actId="478"/>
+          <ac:spMkLst>
+            <pc:docMk/>
+            <pc:sldMk cId="1813128722" sldId="617"/>
+            <ac:spMk id="10" creationId="{7C0D7D77-9628-47EB-B4CC-DCCC52F4DDF1}"/>
+          </ac:spMkLst>
+        </pc:spChg>
+        <pc:spChg chg="mod">
+          <ac:chgData name="Zhao Jin" userId="cd05a825-544c-438a-9ba1-08e63db50b47" providerId="ADAL" clId="{9793B340-B2C7-4054-B466-CFAD81FCC043}" dt="2021-03-15T03:35:33.142" v="1385" actId="20577"/>
           <ac:spMkLst>
             <pc:docMk/>
             <pc:sldMk cId="1813128722" sldId="617"/>
             <ac:spMk id="13" creationId="{00000000-0000-0000-0000-000000000000}"/>
+          </ac:spMkLst>
+        </pc:spChg>
+        <pc:spChg chg="add mod">
+          <ac:chgData name="Zhao Jin" userId="cd05a825-544c-438a-9ba1-08e63db50b47" providerId="ADAL" clId="{9793B340-B2C7-4054-B466-CFAD81FCC043}" dt="2021-03-15T03:37:58.566" v="1549" actId="207"/>
+          <ac:spMkLst>
+            <pc:docMk/>
+            <pc:sldMk cId="1813128722" sldId="617"/>
+            <ac:spMk id="15" creationId="{084FCCF6-EBDA-4CE0-81CD-87612F7619E8}"/>
           </ac:spMkLst>
         </pc:spChg>
         <pc:spChg chg="mod">
@@ -403,6 +428,30 @@
             <ac:grpSpMk id="39" creationId="{00000000-0000-0000-0000-000000000000}"/>
           </ac:grpSpMkLst>
         </pc:grpChg>
+        <pc:picChg chg="add del mod">
+          <ac:chgData name="Zhao Jin" userId="cd05a825-544c-438a-9ba1-08e63db50b47" providerId="ADAL" clId="{9793B340-B2C7-4054-B466-CFAD81FCC043}" dt="2021-03-15T03:35:31.523" v="1384" actId="478"/>
+          <ac:picMkLst>
+            <pc:docMk/>
+            <pc:sldMk cId="1813128722" sldId="617"/>
+            <ac:picMk id="9" creationId="{0A3EEE6A-E71B-4EFD-B7F7-6411E54CC981}"/>
+          </ac:picMkLst>
+        </pc:picChg>
+        <pc:picChg chg="add del mod">
+          <ac:chgData name="Zhao Jin" userId="cd05a825-544c-438a-9ba1-08e63db50b47" providerId="ADAL" clId="{9793B340-B2C7-4054-B466-CFAD81FCC043}" dt="2021-03-15T03:33:41.242" v="1340"/>
+          <ac:picMkLst>
+            <pc:docMk/>
+            <pc:sldMk cId="1813128722" sldId="617"/>
+            <ac:picMk id="11" creationId="{A3E7480C-263E-46BF-A16B-4CCF42654110}"/>
+          </ac:picMkLst>
+        </pc:picChg>
+        <pc:picChg chg="add del mod">
+          <ac:chgData name="Zhao Jin" userId="cd05a825-544c-438a-9ba1-08e63db50b47" providerId="ADAL" clId="{9793B340-B2C7-4054-B466-CFAD81FCC043}" dt="2021-03-15T03:35:31.523" v="1384" actId="478"/>
+          <ac:picMkLst>
+            <pc:docMk/>
+            <pc:sldMk cId="1813128722" sldId="617"/>
+            <ac:picMk id="14" creationId="{598076B0-E500-48A3-9BB1-CFA6CED1F71E}"/>
+          </ac:picMkLst>
+        </pc:picChg>
       </pc:sldChg>
       <pc:sldChg chg="addSp delSp modSp add mod ord addAnim delAnim modAnim">
         <pc:chgData name="Zhao Jin" userId="cd05a825-544c-438a-9ba1-08e63db50b47" providerId="ADAL" clId="{9793B340-B2C7-4054-B466-CFAD81FCC043}" dt="2021-03-10T06:47:45.652" v="946" actId="6549"/>
@@ -434,6 +483,61 @@
             <ac:spMk id="70" creationId="{283BD275-0229-4035-82F8-BA61FB05F696}"/>
           </ac:spMkLst>
         </pc:spChg>
+      </pc:sldChg>
+      <pc:sldChg chg="delSp modSp add mod delAnim">
+        <pc:chgData name="Zhao Jin" userId="cd05a825-544c-438a-9ba1-08e63db50b47" providerId="ADAL" clId="{9793B340-B2C7-4054-B466-CFAD81FCC043}" dt="2021-03-15T03:35:28.250" v="1383" actId="1036"/>
+        <pc:sldMkLst>
+          <pc:docMk/>
+          <pc:sldMk cId="3868737477" sldId="619"/>
+        </pc:sldMkLst>
+        <pc:spChg chg="mod">
+          <ac:chgData name="Zhao Jin" userId="cd05a825-544c-438a-9ba1-08e63db50b47" providerId="ADAL" clId="{9793B340-B2C7-4054-B466-CFAD81FCC043}" dt="2021-03-15T03:35:28.250" v="1383" actId="1036"/>
+          <ac:spMkLst>
+            <pc:docMk/>
+            <pc:sldMk cId="3868737477" sldId="619"/>
+            <ac:spMk id="8" creationId="{FC7FF6B8-9A9D-464E-BF53-1638665899AA}"/>
+          </ac:spMkLst>
+        </pc:spChg>
+        <pc:spChg chg="mod">
+          <ac:chgData name="Zhao Jin" userId="cd05a825-544c-438a-9ba1-08e63db50b47" providerId="ADAL" clId="{9793B340-B2C7-4054-B466-CFAD81FCC043}" dt="2021-03-15T03:35:28.250" v="1383" actId="1036"/>
+          <ac:spMkLst>
+            <pc:docMk/>
+            <pc:sldMk cId="3868737477" sldId="619"/>
+            <ac:spMk id="10" creationId="{7C0D7D77-9628-47EB-B4CC-DCCC52F4DDF1}"/>
+          </ac:spMkLst>
+        </pc:spChg>
+        <pc:spChg chg="mod">
+          <ac:chgData name="Zhao Jin" userId="cd05a825-544c-438a-9ba1-08e63db50b47" providerId="ADAL" clId="{9793B340-B2C7-4054-B466-CFAD81FCC043}" dt="2021-03-15T03:35:24.777" v="1347" actId="6549"/>
+          <ac:spMkLst>
+            <pc:docMk/>
+            <pc:sldMk cId="3868737477" sldId="619"/>
+            <ac:spMk id="13" creationId="{00000000-0000-0000-0000-000000000000}"/>
+          </ac:spMkLst>
+        </pc:spChg>
+        <pc:spChg chg="del">
+          <ac:chgData name="Zhao Jin" userId="cd05a825-544c-438a-9ba1-08e63db50b47" providerId="ADAL" clId="{9793B340-B2C7-4054-B466-CFAD81FCC043}" dt="2021-03-15T03:35:23.940" v="1346" actId="478"/>
+          <ac:spMkLst>
+            <pc:docMk/>
+            <pc:sldMk cId="3868737477" sldId="619"/>
+            <ac:spMk id="17" creationId="{00000000-0000-0000-0000-000000000000}"/>
+          </ac:spMkLst>
+        </pc:spChg>
+        <pc:picChg chg="mod">
+          <ac:chgData name="Zhao Jin" userId="cd05a825-544c-438a-9ba1-08e63db50b47" providerId="ADAL" clId="{9793B340-B2C7-4054-B466-CFAD81FCC043}" dt="2021-03-15T03:35:28.250" v="1383" actId="1036"/>
+          <ac:picMkLst>
+            <pc:docMk/>
+            <pc:sldMk cId="3868737477" sldId="619"/>
+            <ac:picMk id="9" creationId="{0A3EEE6A-E71B-4EFD-B7F7-6411E54CC981}"/>
+          </ac:picMkLst>
+        </pc:picChg>
+        <pc:picChg chg="mod">
+          <ac:chgData name="Zhao Jin" userId="cd05a825-544c-438a-9ba1-08e63db50b47" providerId="ADAL" clId="{9793B340-B2C7-4054-B466-CFAD81FCC043}" dt="2021-03-15T03:35:28.250" v="1383" actId="1036"/>
+          <ac:picMkLst>
+            <pc:docMk/>
+            <pc:sldMk cId="3868737477" sldId="619"/>
+            <ac:picMk id="14" creationId="{598076B0-E500-48A3-9BB1-CFA6CED1F71E}"/>
+          </ac:picMkLst>
+        </pc:picChg>
       </pc:sldChg>
       <pc:sldChg chg="modSp del">
         <pc:chgData name="Zhao Jin" userId="cd05a825-544c-438a-9ba1-08e63db50b47" providerId="ADAL" clId="{9793B340-B2C7-4054-B466-CFAD81FCC043}" dt="2021-03-10T06:39:36.548" v="304" actId="47"/>
@@ -9663,7 +9767,7 @@
               <a:pPr>
                 <a:defRPr/>
               </a:pPr>
-              <a:t>3/10/2021</a:t>
+              <a:t>3/15/2021</a:t>
             </a:fld>
             <a:endParaRPr lang="en-US" dirty="0"/>
           </a:p>
@@ -10332,6 +10436,123 @@
     <p:extLst>
       <p:ext uri="{BB962C8B-B14F-4D97-AF65-F5344CB8AC3E}">
         <p14:creationId xmlns:p14="http://schemas.microsoft.com/office/powerpoint/2010/main" val="3257243782"/>
+      </p:ext>
+    </p:extLst>
+  </p:cSld>
+  <p:clrMapOvr>
+    <a:masterClrMapping/>
+  </p:clrMapOvr>
+</p:notes>
+</file>
+
+<file path=ppt/notesSlides/notesSlide5.xml><?xml version="1.0" encoding="utf-8"?>
+<p:notes xmlns:a="http://schemas.openxmlformats.org/drawingml/2006/main" xmlns:r="http://schemas.openxmlformats.org/officeDocument/2006/relationships" xmlns:p="http://schemas.openxmlformats.org/presentationml/2006/main">
+  <p:cSld>
+    <p:spTree>
+      <p:nvGrpSpPr>
+        <p:cNvPr id="1" name=""/>
+        <p:cNvGrpSpPr/>
+        <p:nvPr/>
+      </p:nvGrpSpPr>
+      <p:grpSpPr>
+        <a:xfrm>
+          <a:off x="0" y="0"/>
+          <a:ext cx="0" cy="0"/>
+          <a:chOff x="0" y="0"/>
+          <a:chExt cx="0" cy="0"/>
+        </a:xfrm>
+      </p:grpSpPr>
+      <p:sp>
+        <p:nvSpPr>
+          <p:cNvPr id="64514" name="Rectangle 2"/>
+          <p:cNvSpPr>
+            <a:spLocks noGrp="1" noChangeArrowheads="1"/>
+          </p:cNvSpPr>
+          <p:nvPr>
+            <p:ph type="hdr" sz="quarter"/>
+          </p:nvPr>
+        </p:nvSpPr>
+        <p:spPr bwMode="auto">
+          <a:xfrm>
+            <a:off x="0" y="0"/>
+            <a:ext cx="3038786" cy="465341"/>
+          </a:xfrm>
+          <a:noFill/>
+          <a:ln>
+            <a:miter lim="800000"/>
+            <a:headEnd/>
+            <a:tailEnd/>
+          </a:ln>
+        </p:spPr>
+        <p:txBody>
+          <a:bodyPr wrap="square" numCol="1" anchor="t" anchorCtr="0" compatLnSpc="1">
+            <a:prstTxWarp prst="textNoShape">
+              <a:avLst/>
+            </a:prstTxWarp>
+          </a:bodyPr>
+          <a:lstStyle/>
+          <a:p>
+            <a:r>
+              <a:rPr lang="en-US" dirty="0"/>
+              <a:t>CS1010 Programming Methodology</a:t>
+            </a:r>
+          </a:p>
+        </p:txBody>
+      </p:sp>
+      <p:sp>
+        <p:nvSpPr>
+          <p:cNvPr id="64515" name="Rectangle 2"/>
+          <p:cNvSpPr>
+            <a:spLocks noGrp="1" noRot="1" noChangeAspect="1" noChangeArrowheads="1" noTextEdit="1"/>
+          </p:cNvSpPr>
+          <p:nvPr>
+            <p:ph type="sldImg"/>
+          </p:nvPr>
+        </p:nvSpPr>
+        <p:spPr bwMode="auto">
+          <a:xfrm>
+            <a:off x="1182688" y="696913"/>
+            <a:ext cx="4648200" cy="3486150"/>
+          </a:xfrm>
+          <a:noFill/>
+          <a:ln>
+            <a:solidFill>
+              <a:srgbClr val="000000"/>
+            </a:solidFill>
+            <a:miter lim="800000"/>
+            <a:headEnd/>
+            <a:tailEnd/>
+          </a:ln>
+        </p:spPr>
+      </p:sp>
+      <p:sp>
+        <p:nvSpPr>
+          <p:cNvPr id="64516" name="Rectangle 3"/>
+          <p:cNvSpPr>
+            <a:spLocks noGrp="1" noChangeArrowheads="1"/>
+          </p:cNvSpPr>
+          <p:nvPr>
+            <p:ph type="body" idx="1"/>
+          </p:nvPr>
+        </p:nvSpPr>
+        <p:spPr>
+          <a:ln w="9525"/>
+        </p:spPr>
+        <p:txBody>
+          <a:bodyPr/>
+          <a:lstStyle/>
+          <a:p>
+            <a:pPr eaLnBrk="1" hangingPunct="1">
+              <a:defRPr/>
+            </a:pPr>
+            <a:endParaRPr lang="en-US" dirty="0"/>
+          </a:p>
+        </p:txBody>
+      </p:sp>
+    </p:spTree>
+    <p:extLst>
+      <p:ext uri="{BB962C8B-B14F-4D97-AF65-F5344CB8AC3E}">
+        <p14:creationId xmlns:p14="http://schemas.microsoft.com/office/powerpoint/2010/main" val="1501108777"/>
       </p:ext>
     </p:extLst>
   </p:cSld>
@@ -15801,7 +16022,7 @@
             </a:pPr>
             <a:r>
               <a:rPr lang="en-GB" dirty="0"/>
-              <a:t>If the assertion fails, the program exists with a message.</a:t>
+              <a:t>If the assertion fails, the program exits with a message.</a:t>
             </a:r>
           </a:p>
           <a:p>
@@ -15843,72 +16064,6 @@
               <a:buChar char="§"/>
             </a:pPr>
             <a:endParaRPr lang="en-GB" dirty="0"/>
-          </a:p>
-          <a:p>
-            <a:pPr marL="457200" indent="-457200" fontAlgn="auto">
-              <a:spcBef>
-                <a:spcPts val="1200"/>
-              </a:spcBef>
-              <a:spcAft>
-                <a:spcPts val="0"/>
-              </a:spcAft>
-              <a:buClr>
-                <a:schemeClr val="tx1">
-                  <a:lumMod val="90000"/>
-                  <a:lumOff val="10000"/>
-                </a:schemeClr>
-              </a:buClr>
-              <a:buSzPct val="100000"/>
-              <a:buFont typeface="Wingdings" pitchFamily="2" charset="2"/>
-              <a:buChar char="§"/>
-            </a:pPr>
-            <a:endParaRPr lang="en-GB" dirty="0"/>
-          </a:p>
-          <a:p>
-            <a:pPr marL="457200" indent="-457200" fontAlgn="auto">
-              <a:spcBef>
-                <a:spcPts val="1200"/>
-              </a:spcBef>
-              <a:spcAft>
-                <a:spcPts val="0"/>
-              </a:spcAft>
-              <a:buClr>
-                <a:schemeClr val="tx1">
-                  <a:lumMod val="90000"/>
-                  <a:lumOff val="10000"/>
-                </a:schemeClr>
-              </a:buClr>
-              <a:buSzPct val="100000"/>
-              <a:buFont typeface="Wingdings" pitchFamily="2" charset="2"/>
-              <a:buChar char="§"/>
-            </a:pPr>
-            <a:r>
-              <a:rPr lang="en-GB" dirty="0"/>
-              <a:t>Not a mechanism for handling errors!</a:t>
-            </a:r>
-          </a:p>
-          <a:p>
-            <a:pPr marL="731520" lvl="1" indent="-457200" fontAlgn="auto">
-              <a:spcBef>
-                <a:spcPts val="1200"/>
-              </a:spcBef>
-              <a:spcAft>
-                <a:spcPts val="0"/>
-              </a:spcAft>
-              <a:buClr>
-                <a:schemeClr val="tx1">
-                  <a:lumMod val="90000"/>
-                  <a:lumOff val="10000"/>
-                </a:schemeClr>
-              </a:buClr>
-              <a:buSzPct val="100000"/>
-              <a:buFont typeface="Wingdings" pitchFamily="2" charset="2"/>
-              <a:buChar char="§"/>
-            </a:pPr>
-            <a:r>
-              <a:rPr lang="en-GB" dirty="0"/>
-              <a:t>Only use it to confirm expected behaviours / check for logical issues in your program.</a:t>
-            </a:r>
           </a:p>
           <a:p>
             <a:pPr marL="731520" lvl="1" indent="-457200" fontAlgn="auto">
@@ -16074,6 +16229,620 @@
                 <a:cs typeface="Courier New" pitchFamily="49" charset="0"/>
               </a:rPr>
               <a:t>Aborted</a:t>
+            </a:r>
+          </a:p>
+        </p:txBody>
+      </p:sp>
+      <p:sp>
+        <p:nvSpPr>
+          <p:cNvPr id="15" name="TextBox 14">
+            <a:extLst>
+              <a:ext uri="{FF2B5EF4-FFF2-40B4-BE49-F238E27FC236}">
+                <a16:creationId xmlns:a16="http://schemas.microsoft.com/office/drawing/2014/main" id="{084FCCF6-EBDA-4CE0-81CD-87612F7619E8}"/>
+              </a:ext>
+            </a:extLst>
+          </p:cNvPr>
+          <p:cNvSpPr txBox="1"/>
+          <p:nvPr/>
+        </p:nvSpPr>
+        <p:spPr>
+          <a:xfrm>
+            <a:off x="1035987" y="3121135"/>
+            <a:ext cx="7543514" cy="2308324"/>
+          </a:xfrm>
+          <a:prstGeom prst="rect">
+            <a:avLst/>
+          </a:prstGeom>
+        </p:spPr>
+        <p:style>
+          <a:lnRef idx="2">
+            <a:schemeClr val="accent6"/>
+          </a:lnRef>
+          <a:fillRef idx="1">
+            <a:schemeClr val="lt1"/>
+          </a:fillRef>
+          <a:effectRef idx="0">
+            <a:schemeClr val="accent6"/>
+          </a:effectRef>
+          <a:fontRef idx="minor">
+            <a:schemeClr val="dk1"/>
+          </a:fontRef>
+        </p:style>
+        <p:txBody>
+          <a:bodyPr wrap="square">
+            <a:spAutoFit/>
+          </a:bodyPr>
+          <a:lstStyle/>
+          <a:p>
+            <a:pPr>
+              <a:defRPr/>
+            </a:pPr>
+            <a:r>
+              <a:rPr lang="en-US" sz="1600" b="1" dirty="0">
+                <a:solidFill>
+                  <a:srgbClr val="0000FF"/>
+                </a:solidFill>
+                <a:latin typeface="Courier New" pitchFamily="49" charset="0"/>
+                <a:cs typeface="Courier New" pitchFamily="49" charset="0"/>
+              </a:rPr>
+              <a:t>long</a:t>
+            </a:r>
+            <a:r>
+              <a:rPr lang="en-US" sz="1600" b="1" dirty="0">
+                <a:solidFill>
+                  <a:schemeClr val="tx1"/>
+                </a:solidFill>
+                <a:latin typeface="Courier New" pitchFamily="49" charset="0"/>
+                <a:cs typeface="Courier New" pitchFamily="49" charset="0"/>
+              </a:rPr>
+              <a:t> </a:t>
+            </a:r>
+            <a:r>
+              <a:rPr lang="en-US" sz="1600" b="1" dirty="0" err="1">
+                <a:solidFill>
+                  <a:schemeClr val="tx1"/>
+                </a:solidFill>
+                <a:latin typeface="Courier New" pitchFamily="49" charset="0"/>
+                <a:cs typeface="Courier New" pitchFamily="49" charset="0"/>
+              </a:rPr>
+              <a:t>nrows</a:t>
+            </a:r>
+            <a:r>
+              <a:rPr lang="en-US" sz="1600" b="1" dirty="0">
+                <a:solidFill>
+                  <a:schemeClr val="tx1"/>
+                </a:solidFill>
+                <a:latin typeface="Courier New" pitchFamily="49" charset="0"/>
+                <a:cs typeface="Courier New" pitchFamily="49" charset="0"/>
+              </a:rPr>
+              <a:t> = </a:t>
+            </a:r>
+            <a:r>
+              <a:rPr lang="en-US" sz="1600" b="1" dirty="0">
+                <a:solidFill>
+                  <a:srgbClr val="C00000"/>
+                </a:solidFill>
+                <a:latin typeface="Courier New" pitchFamily="49" charset="0"/>
+                <a:cs typeface="Courier New" pitchFamily="49" charset="0"/>
+              </a:rPr>
+              <a:t>20</a:t>
+            </a:r>
+            <a:r>
+              <a:rPr lang="en-US" sz="1600" b="1" dirty="0">
+                <a:solidFill>
+                  <a:schemeClr val="tx1"/>
+                </a:solidFill>
+                <a:latin typeface="Courier New" pitchFamily="49" charset="0"/>
+                <a:cs typeface="Courier New" pitchFamily="49" charset="0"/>
+              </a:rPr>
+              <a:t>;</a:t>
+            </a:r>
+          </a:p>
+          <a:p>
+            <a:pPr>
+              <a:defRPr/>
+            </a:pPr>
+            <a:r>
+              <a:rPr lang="en-US" sz="1600" b="1" dirty="0">
+                <a:solidFill>
+                  <a:srgbClr val="0000FF"/>
+                </a:solidFill>
+                <a:latin typeface="Courier New" pitchFamily="49" charset="0"/>
+                <a:cs typeface="Courier New" pitchFamily="49" charset="0"/>
+              </a:rPr>
+              <a:t>long</a:t>
+            </a:r>
+            <a:r>
+              <a:rPr lang="en-US" sz="1600" b="1" dirty="0">
+                <a:solidFill>
+                  <a:schemeClr val="tx1"/>
+                </a:solidFill>
+                <a:latin typeface="Courier New" pitchFamily="49" charset="0"/>
+                <a:cs typeface="Courier New" pitchFamily="49" charset="0"/>
+              </a:rPr>
+              <a:t> </a:t>
+            </a:r>
+            <a:r>
+              <a:rPr lang="en-US" sz="1600" b="1" dirty="0" err="1">
+                <a:solidFill>
+                  <a:schemeClr val="tx1"/>
+                </a:solidFill>
+                <a:latin typeface="Courier New" pitchFamily="49" charset="0"/>
+                <a:cs typeface="Courier New" pitchFamily="49" charset="0"/>
+              </a:rPr>
+              <a:t>ncols</a:t>
+            </a:r>
+            <a:r>
+              <a:rPr lang="en-US" sz="1600" b="1" dirty="0">
+                <a:solidFill>
+                  <a:schemeClr val="tx1"/>
+                </a:solidFill>
+                <a:latin typeface="Courier New" pitchFamily="49" charset="0"/>
+                <a:cs typeface="Courier New" pitchFamily="49" charset="0"/>
+              </a:rPr>
+              <a:t> = </a:t>
+            </a:r>
+            <a:r>
+              <a:rPr lang="en-US" sz="1600" b="1" dirty="0">
+                <a:solidFill>
+                  <a:srgbClr val="C00000"/>
+                </a:solidFill>
+                <a:latin typeface="Courier New" pitchFamily="49" charset="0"/>
+                <a:cs typeface="Courier New" pitchFamily="49" charset="0"/>
+              </a:rPr>
+              <a:t>10</a:t>
+            </a:r>
+            <a:r>
+              <a:rPr lang="en-US" sz="1600" b="1" dirty="0">
+                <a:solidFill>
+                  <a:schemeClr val="tx1"/>
+                </a:solidFill>
+                <a:latin typeface="Courier New" pitchFamily="49" charset="0"/>
+                <a:cs typeface="Courier New" pitchFamily="49" charset="0"/>
+              </a:rPr>
+              <a:t>;</a:t>
+            </a:r>
+          </a:p>
+          <a:p>
+            <a:pPr>
+              <a:defRPr/>
+            </a:pPr>
+            <a:r>
+              <a:rPr lang="en-US" sz="1600" b="1" dirty="0">
+                <a:solidFill>
+                  <a:srgbClr val="0000FF"/>
+                </a:solidFill>
+                <a:latin typeface="Courier New" pitchFamily="49" charset="0"/>
+                <a:cs typeface="Courier New" pitchFamily="49" charset="0"/>
+              </a:rPr>
+              <a:t>long</a:t>
+            </a:r>
+            <a:r>
+              <a:rPr lang="en-US" sz="1600" b="1" dirty="0">
+                <a:solidFill>
+                  <a:schemeClr val="tx1"/>
+                </a:solidFill>
+                <a:latin typeface="Courier New" pitchFamily="49" charset="0"/>
+                <a:cs typeface="Courier New" pitchFamily="49" charset="0"/>
+              </a:rPr>
+              <a:t> matrix[</a:t>
+            </a:r>
+            <a:r>
+              <a:rPr lang="en-US" sz="1600" b="1" dirty="0" err="1">
+                <a:solidFill>
+                  <a:schemeClr val="tx1"/>
+                </a:solidFill>
+                <a:latin typeface="Courier New" pitchFamily="49" charset="0"/>
+                <a:cs typeface="Courier New" pitchFamily="49" charset="0"/>
+              </a:rPr>
+              <a:t>nrows</a:t>
+            </a:r>
+            <a:r>
+              <a:rPr lang="en-US" sz="1600" b="1" dirty="0">
+                <a:solidFill>
+                  <a:schemeClr val="tx1"/>
+                </a:solidFill>
+                <a:latin typeface="Courier New" pitchFamily="49" charset="0"/>
+                <a:cs typeface="Courier New" pitchFamily="49" charset="0"/>
+              </a:rPr>
+              <a:t>][</a:t>
+            </a:r>
+            <a:r>
+              <a:rPr lang="en-US" sz="1600" b="1" dirty="0" err="1">
+                <a:solidFill>
+                  <a:schemeClr val="tx1"/>
+                </a:solidFill>
+                <a:latin typeface="Courier New" pitchFamily="49" charset="0"/>
+                <a:cs typeface="Courier New" pitchFamily="49" charset="0"/>
+              </a:rPr>
+              <a:t>ncols</a:t>
+            </a:r>
+            <a:r>
+              <a:rPr lang="en-US" sz="1600" b="1" dirty="0">
+                <a:solidFill>
+                  <a:schemeClr val="tx1"/>
+                </a:solidFill>
+                <a:latin typeface="Courier New" pitchFamily="49" charset="0"/>
+                <a:cs typeface="Courier New" pitchFamily="49" charset="0"/>
+              </a:rPr>
+              <a:t>];</a:t>
+            </a:r>
+          </a:p>
+          <a:p>
+            <a:pPr>
+              <a:defRPr/>
+            </a:pPr>
+            <a:endParaRPr lang="en-US" sz="1600" b="1" dirty="0">
+              <a:solidFill>
+                <a:schemeClr val="tx1"/>
+              </a:solidFill>
+              <a:latin typeface="Courier New" pitchFamily="49" charset="0"/>
+              <a:cs typeface="Courier New" pitchFamily="49" charset="0"/>
+            </a:endParaRPr>
+          </a:p>
+          <a:p>
+            <a:pPr>
+              <a:defRPr/>
+            </a:pPr>
+            <a:r>
+              <a:rPr lang="en-US" sz="1600" b="1" dirty="0">
+                <a:solidFill>
+                  <a:srgbClr val="0000FF"/>
+                </a:solidFill>
+                <a:latin typeface="Courier New" pitchFamily="49" charset="0"/>
+                <a:cs typeface="Courier New" pitchFamily="49" charset="0"/>
+              </a:rPr>
+              <a:t>for</a:t>
+            </a:r>
+            <a:r>
+              <a:rPr lang="en-US" sz="1600" b="1" dirty="0">
+                <a:solidFill>
+                  <a:schemeClr val="tx1"/>
+                </a:solidFill>
+                <a:latin typeface="Courier New" pitchFamily="49" charset="0"/>
+                <a:cs typeface="Courier New" pitchFamily="49" charset="0"/>
+              </a:rPr>
+              <a:t> (</a:t>
+            </a:r>
+            <a:r>
+              <a:rPr lang="en-US" sz="1600" b="1" dirty="0">
+                <a:solidFill>
+                  <a:srgbClr val="0000FF"/>
+                </a:solidFill>
+                <a:latin typeface="Courier New" pitchFamily="49" charset="0"/>
+                <a:cs typeface="Courier New" pitchFamily="49" charset="0"/>
+              </a:rPr>
+              <a:t>long</a:t>
+            </a:r>
+            <a:r>
+              <a:rPr lang="en-US" sz="1600" b="1" dirty="0">
+                <a:solidFill>
+                  <a:schemeClr val="tx1"/>
+                </a:solidFill>
+                <a:latin typeface="Courier New" pitchFamily="49" charset="0"/>
+                <a:cs typeface="Courier New" pitchFamily="49" charset="0"/>
+              </a:rPr>
+              <a:t> </a:t>
+            </a:r>
+            <a:r>
+              <a:rPr lang="en-US" sz="1600" b="1" dirty="0" err="1">
+                <a:solidFill>
+                  <a:schemeClr val="tx1"/>
+                </a:solidFill>
+                <a:latin typeface="Courier New" pitchFamily="49" charset="0"/>
+                <a:cs typeface="Courier New" pitchFamily="49" charset="0"/>
+              </a:rPr>
+              <a:t>i</a:t>
+            </a:r>
+            <a:r>
+              <a:rPr lang="en-US" sz="1600" b="1" dirty="0">
+                <a:solidFill>
+                  <a:schemeClr val="tx1"/>
+                </a:solidFill>
+                <a:latin typeface="Courier New" pitchFamily="49" charset="0"/>
+                <a:cs typeface="Courier New" pitchFamily="49" charset="0"/>
+              </a:rPr>
+              <a:t> = </a:t>
+            </a:r>
+            <a:r>
+              <a:rPr lang="en-US" sz="1600" b="1" dirty="0">
+                <a:solidFill>
+                  <a:srgbClr val="C00000"/>
+                </a:solidFill>
+                <a:latin typeface="Courier New" pitchFamily="49" charset="0"/>
+                <a:cs typeface="Courier New" pitchFamily="49" charset="0"/>
+              </a:rPr>
+              <a:t>0</a:t>
+            </a:r>
+            <a:r>
+              <a:rPr lang="en-US" sz="1600" b="1" dirty="0">
+                <a:solidFill>
+                  <a:schemeClr val="tx1"/>
+                </a:solidFill>
+                <a:latin typeface="Courier New" pitchFamily="49" charset="0"/>
+                <a:cs typeface="Courier New" pitchFamily="49" charset="0"/>
+              </a:rPr>
+              <a:t>; </a:t>
+            </a:r>
+            <a:r>
+              <a:rPr lang="en-US" sz="1600" b="1" dirty="0" err="1">
+                <a:solidFill>
+                  <a:schemeClr val="tx1"/>
+                </a:solidFill>
+                <a:latin typeface="Courier New" pitchFamily="49" charset="0"/>
+                <a:cs typeface="Courier New" pitchFamily="49" charset="0"/>
+              </a:rPr>
+              <a:t>i</a:t>
+            </a:r>
+            <a:r>
+              <a:rPr lang="en-US" sz="1600" b="1" dirty="0">
+                <a:solidFill>
+                  <a:schemeClr val="tx1"/>
+                </a:solidFill>
+                <a:latin typeface="Courier New" pitchFamily="49" charset="0"/>
+                <a:cs typeface="Courier New" pitchFamily="49" charset="0"/>
+              </a:rPr>
+              <a:t> &lt; </a:t>
+            </a:r>
+            <a:r>
+              <a:rPr lang="en-US" sz="1600" b="1" dirty="0" err="1">
+                <a:solidFill>
+                  <a:schemeClr val="tx1"/>
+                </a:solidFill>
+                <a:latin typeface="Courier New" pitchFamily="49" charset="0"/>
+                <a:cs typeface="Courier New" pitchFamily="49" charset="0"/>
+              </a:rPr>
+              <a:t>nrows</a:t>
+            </a:r>
+            <a:r>
+              <a:rPr lang="en-US" sz="1600" b="1" dirty="0">
+                <a:solidFill>
+                  <a:schemeClr val="tx1"/>
+                </a:solidFill>
+                <a:latin typeface="Courier New" pitchFamily="49" charset="0"/>
+                <a:cs typeface="Courier New" pitchFamily="49" charset="0"/>
+              </a:rPr>
+              <a:t>; </a:t>
+            </a:r>
+            <a:r>
+              <a:rPr lang="en-US" sz="1600" b="1" dirty="0" err="1">
+                <a:solidFill>
+                  <a:schemeClr val="tx1"/>
+                </a:solidFill>
+                <a:latin typeface="Courier New" pitchFamily="49" charset="0"/>
+                <a:cs typeface="Courier New" pitchFamily="49" charset="0"/>
+              </a:rPr>
+              <a:t>i</a:t>
+            </a:r>
+            <a:r>
+              <a:rPr lang="en-US" sz="1600" b="1" dirty="0">
+                <a:solidFill>
+                  <a:schemeClr val="tx1"/>
+                </a:solidFill>
+                <a:latin typeface="Courier New" pitchFamily="49" charset="0"/>
+                <a:cs typeface="Courier New" pitchFamily="49" charset="0"/>
+              </a:rPr>
+              <a:t>+=</a:t>
+            </a:r>
+            <a:r>
+              <a:rPr lang="en-US" sz="1600" b="1" dirty="0">
+                <a:solidFill>
+                  <a:srgbClr val="C00000"/>
+                </a:solidFill>
+                <a:latin typeface="Courier New" pitchFamily="49" charset="0"/>
+                <a:cs typeface="Courier New" pitchFamily="49" charset="0"/>
+              </a:rPr>
+              <a:t>1</a:t>
+            </a:r>
+            <a:r>
+              <a:rPr lang="en-US" sz="1600" b="1" dirty="0">
+                <a:solidFill>
+                  <a:schemeClr val="tx1"/>
+                </a:solidFill>
+                <a:latin typeface="Courier New" pitchFamily="49" charset="0"/>
+                <a:cs typeface="Courier New" pitchFamily="49" charset="0"/>
+              </a:rPr>
+              <a:t>){</a:t>
+            </a:r>
+          </a:p>
+          <a:p>
+            <a:pPr>
+              <a:defRPr/>
+            </a:pPr>
+            <a:r>
+              <a:rPr lang="en-US" sz="1600" b="1" dirty="0">
+                <a:solidFill>
+                  <a:schemeClr val="tx1"/>
+                </a:solidFill>
+                <a:latin typeface="Courier New" pitchFamily="49" charset="0"/>
+                <a:cs typeface="Courier New" pitchFamily="49" charset="0"/>
+              </a:rPr>
+              <a:t>    j = </a:t>
+            </a:r>
+            <a:r>
+              <a:rPr lang="en-US" sz="1600" b="1" dirty="0" err="1">
+                <a:solidFill>
+                  <a:schemeClr val="tx1"/>
+                </a:solidFill>
+                <a:latin typeface="Courier New" pitchFamily="49" charset="0"/>
+                <a:cs typeface="Courier New" pitchFamily="49" charset="0"/>
+              </a:rPr>
+              <a:t>i</a:t>
+            </a:r>
+            <a:r>
+              <a:rPr lang="en-US" sz="1600" b="1" dirty="0">
+                <a:solidFill>
+                  <a:schemeClr val="tx1"/>
+                </a:solidFill>
+                <a:latin typeface="Courier New" pitchFamily="49" charset="0"/>
+                <a:cs typeface="Courier New" pitchFamily="49" charset="0"/>
+              </a:rPr>
+              <a:t> + </a:t>
+            </a:r>
+            <a:r>
+              <a:rPr lang="en-US" sz="1600" b="1" dirty="0">
+                <a:solidFill>
+                  <a:srgbClr val="C00000"/>
+                </a:solidFill>
+                <a:latin typeface="Courier New" pitchFamily="49" charset="0"/>
+                <a:cs typeface="Courier New" pitchFamily="49" charset="0"/>
+              </a:rPr>
+              <a:t>1</a:t>
+            </a:r>
+            <a:r>
+              <a:rPr lang="en-US" sz="1600" b="1" dirty="0">
+                <a:solidFill>
+                  <a:schemeClr val="tx1"/>
+                </a:solidFill>
+                <a:latin typeface="Courier New" pitchFamily="49" charset="0"/>
+                <a:cs typeface="Courier New" pitchFamily="49" charset="0"/>
+              </a:rPr>
+              <a:t>; </a:t>
+            </a:r>
+            <a:r>
+              <a:rPr lang="en-US" sz="1600" b="1" dirty="0">
+                <a:solidFill>
+                  <a:srgbClr val="006600"/>
+                </a:solidFill>
+                <a:latin typeface="Courier New" pitchFamily="49" charset="0"/>
+                <a:cs typeface="Courier New" pitchFamily="49" charset="0"/>
+              </a:rPr>
+              <a:t>// logical error!</a:t>
+            </a:r>
+          </a:p>
+          <a:p>
+            <a:pPr>
+              <a:defRPr/>
+            </a:pPr>
+            <a:r>
+              <a:rPr lang="nn-NO" sz="1600" b="1" dirty="0">
+                <a:solidFill>
+                  <a:schemeClr val="tx1"/>
+                </a:solidFill>
+                <a:latin typeface="Courier New" pitchFamily="49" charset="0"/>
+                <a:cs typeface="Courier New" pitchFamily="49" charset="0"/>
+              </a:rPr>
+              <a:t>    assert(i &gt;= </a:t>
+            </a:r>
+            <a:r>
+              <a:rPr lang="nn-NO" sz="1600" b="1" dirty="0">
+                <a:solidFill>
+                  <a:srgbClr val="C00000"/>
+                </a:solidFill>
+                <a:latin typeface="Courier New" pitchFamily="49" charset="0"/>
+                <a:cs typeface="Courier New" pitchFamily="49" charset="0"/>
+              </a:rPr>
+              <a:t>0</a:t>
+            </a:r>
+            <a:r>
+              <a:rPr lang="nn-NO" sz="1600" b="1" dirty="0">
+                <a:solidFill>
+                  <a:schemeClr val="tx1"/>
+                </a:solidFill>
+                <a:latin typeface="Courier New" pitchFamily="49" charset="0"/>
+                <a:cs typeface="Courier New" pitchFamily="49" charset="0"/>
+              </a:rPr>
+              <a:t> &amp;&amp; i &lt; nrows &amp;&amp; j &gt;= </a:t>
+            </a:r>
+            <a:r>
+              <a:rPr lang="nn-NO" sz="1600" b="1" dirty="0">
+                <a:solidFill>
+                  <a:srgbClr val="C00000"/>
+                </a:solidFill>
+                <a:latin typeface="Courier New" pitchFamily="49" charset="0"/>
+                <a:cs typeface="Courier New" pitchFamily="49" charset="0"/>
+              </a:rPr>
+              <a:t>0</a:t>
+            </a:r>
+            <a:r>
+              <a:rPr lang="nn-NO" sz="1600" b="1" dirty="0">
+                <a:solidFill>
+                  <a:schemeClr val="tx1"/>
+                </a:solidFill>
+                <a:latin typeface="Courier New" pitchFamily="49" charset="0"/>
+                <a:cs typeface="Courier New" pitchFamily="49" charset="0"/>
+              </a:rPr>
+              <a:t> &amp;&amp; j &lt; ncols);</a:t>
+            </a:r>
+            <a:r>
+              <a:rPr lang="en-US" sz="1600" b="1" dirty="0">
+                <a:solidFill>
+                  <a:schemeClr val="tx1"/>
+                </a:solidFill>
+                <a:latin typeface="Courier New" pitchFamily="49" charset="0"/>
+                <a:cs typeface="Courier New" pitchFamily="49" charset="0"/>
+              </a:rPr>
+              <a:t>        </a:t>
+            </a:r>
+          </a:p>
+          <a:p>
+            <a:pPr>
+              <a:defRPr/>
+            </a:pPr>
+            <a:r>
+              <a:rPr lang="en-US" sz="1600" b="1" dirty="0">
+                <a:solidFill>
+                  <a:schemeClr val="tx1"/>
+                </a:solidFill>
+                <a:latin typeface="Courier New" pitchFamily="49" charset="0"/>
+                <a:cs typeface="Courier New" pitchFamily="49" charset="0"/>
+              </a:rPr>
+              <a:t>    matrix[</a:t>
+            </a:r>
+            <a:r>
+              <a:rPr lang="en-US" sz="1600" b="1" dirty="0" err="1">
+                <a:solidFill>
+                  <a:schemeClr val="tx1"/>
+                </a:solidFill>
+                <a:latin typeface="Courier New" pitchFamily="49" charset="0"/>
+                <a:cs typeface="Courier New" pitchFamily="49" charset="0"/>
+              </a:rPr>
+              <a:t>i</a:t>
+            </a:r>
+            <a:r>
+              <a:rPr lang="en-US" sz="1600" b="1" dirty="0">
+                <a:solidFill>
+                  <a:schemeClr val="tx1"/>
+                </a:solidFill>
+                <a:latin typeface="Courier New" pitchFamily="49" charset="0"/>
+                <a:cs typeface="Courier New" pitchFamily="49" charset="0"/>
+              </a:rPr>
+              <a:t>][j] = </a:t>
+            </a:r>
+            <a:r>
+              <a:rPr lang="en-US" sz="1600" b="1" dirty="0">
+                <a:solidFill>
+                  <a:srgbClr val="C00000"/>
+                </a:solidFill>
+                <a:latin typeface="Courier New" pitchFamily="49" charset="0"/>
+                <a:cs typeface="Courier New" pitchFamily="49" charset="0"/>
+              </a:rPr>
+              <a:t>-1</a:t>
+            </a:r>
+            <a:r>
+              <a:rPr lang="en-US" sz="1600" b="1" dirty="0">
+                <a:solidFill>
+                  <a:schemeClr val="tx1"/>
+                </a:solidFill>
+                <a:latin typeface="Courier New" pitchFamily="49" charset="0"/>
+                <a:cs typeface="Courier New" pitchFamily="49" charset="0"/>
+              </a:rPr>
+              <a:t>;</a:t>
+            </a:r>
+          </a:p>
+          <a:p>
+            <a:pPr>
+              <a:defRPr/>
+            </a:pPr>
+            <a:r>
+              <a:rPr lang="en-US" sz="1600" b="1" dirty="0">
+                <a:solidFill>
+                  <a:schemeClr val="tx1"/>
+                </a:solidFill>
+                <a:latin typeface="Courier New" pitchFamily="49" charset="0"/>
+                <a:cs typeface="Courier New" pitchFamily="49" charset="0"/>
+              </a:rPr>
+              <a:t>}</a:t>
             </a:r>
           </a:p>
         </p:txBody>
@@ -16152,6 +16921,50 @@
                             </p:childTnLst>
                           </p:cTn>
                         </p:par>
+                        <p:par>
+                          <p:cTn id="8" fill="hold">
+                            <p:stCondLst>
+                              <p:cond delay="500"/>
+                            </p:stCondLst>
+                            <p:childTnLst>
+                              <p:par>
+                                <p:cTn id="9" presetID="9" presetClass="entr" presetSubtype="0" fill="hold" grpId="0" nodeType="afterEffect">
+                                  <p:stCondLst>
+                                    <p:cond delay="0"/>
+                                  </p:stCondLst>
+                                  <p:childTnLst>
+                                    <p:set>
+                                      <p:cBhvr>
+                                        <p:cTn id="10" dur="1" fill="hold">
+                                          <p:stCondLst>
+                                            <p:cond delay="0"/>
+                                          </p:stCondLst>
+                                        </p:cTn>
+                                        <p:tgtEl>
+                                          <p:spTgt spid="15"/>
+                                        </p:tgtEl>
+                                        <p:attrNameLst>
+                                          <p:attrName>style.visibility</p:attrName>
+                                        </p:attrNameLst>
+                                      </p:cBhvr>
+                                      <p:to>
+                                        <p:strVal val="visible"/>
+                                      </p:to>
+                                    </p:set>
+                                    <p:animEffect transition="in" filter="dissolve">
+                                      <p:cBhvr>
+                                        <p:cTn id="11" dur="500"/>
+                                        <p:tgtEl>
+                                          <p:spTgt spid="15"/>
+                                        </p:tgtEl>
+                                      </p:cBhvr>
+                                    </p:animEffect>
+                                  </p:childTnLst>
+                                </p:cTn>
+                              </p:par>
+                            </p:childTnLst>
+                          </p:cTn>
+                        </p:par>
                       </p:childTnLst>
                     </p:cTn>
                   </p:par>
@@ -16178,6 +16991,861 @@
     </p:tnLst>
     <p:bldLst>
       <p:bldP spid="17" grpId="0" animBg="1"/>
+      <p:bldP spid="15" grpId="0" animBg="1"/>
+    </p:bldLst>
+  </p:timing>
+</p:sld>
+</file>
+
+<file path=ppt/slides/slide5.xml><?xml version="1.0" encoding="utf-8"?>
+<p:sld xmlns:a="http://schemas.openxmlformats.org/drawingml/2006/main" xmlns:r="http://schemas.openxmlformats.org/officeDocument/2006/relationships" xmlns:p="http://schemas.openxmlformats.org/presentationml/2006/main">
+  <p:cSld>
+    <p:spTree>
+      <p:nvGrpSpPr>
+        <p:cNvPr id="1" name=""/>
+        <p:cNvGrpSpPr/>
+        <p:nvPr/>
+      </p:nvGrpSpPr>
+      <p:grpSpPr>
+        <a:xfrm>
+          <a:off x="0" y="0"/>
+          <a:ext cx="0" cy="0"/>
+          <a:chOff x="0" y="0"/>
+          <a:chExt cx="0" cy="0"/>
+        </a:xfrm>
+      </p:grpSpPr>
+      <p:sp>
+        <p:nvSpPr>
+          <p:cNvPr id="14338" name="Rectangle 2"/>
+          <p:cNvSpPr>
+            <a:spLocks noGrp="1" noChangeArrowheads="1"/>
+          </p:cNvSpPr>
+          <p:nvPr>
+            <p:ph type="title"/>
+          </p:nvPr>
+        </p:nvSpPr>
+        <p:spPr>
+          <a:xfrm>
+            <a:off x="533400" y="381000"/>
+            <a:ext cx="8382000" cy="838200"/>
+          </a:xfrm>
+        </p:spPr>
+        <p:txBody>
+          <a:bodyPr>
+            <a:normAutofit/>
+          </a:bodyPr>
+          <a:lstStyle/>
+          <a:p>
+            <a:pPr eaLnBrk="1" hangingPunct="1"/>
+            <a:r>
+              <a:rPr lang="en-GB" sz="3600" dirty="0">
+                <a:solidFill>
+                  <a:srgbClr val="0000FF"/>
+                </a:solidFill>
+              </a:rPr>
+              <a:t>assert</a:t>
+            </a:r>
+          </a:p>
+        </p:txBody>
+      </p:sp>
+      <p:sp>
+        <p:nvSpPr>
+          <p:cNvPr id="7" name="Slide Number Placeholder 6"/>
+          <p:cNvSpPr>
+            <a:spLocks noGrp="1"/>
+          </p:cNvSpPr>
+          <p:nvPr>
+            <p:ph type="sldNum" sz="quarter" idx="12"/>
+          </p:nvPr>
+        </p:nvSpPr>
+        <p:spPr/>
+        <p:txBody>
+          <a:bodyPr>
+            <a:normAutofit/>
+          </a:bodyPr>
+          <a:lstStyle/>
+          <a:p>
+            <a:pPr>
+              <a:defRPr/>
+            </a:pPr>
+            <a:r>
+              <a:rPr lang="en-US" dirty="0"/>
+              <a:t>Unit21 - </a:t>
+            </a:r>
+            <a:fld id="{F7EC234A-9094-4BB8-9EA4-75ECDA8A365B}" type="slidenum">
+              <a:rPr lang="en-US"/>
+              <a:pPr>
+                <a:defRPr/>
+              </a:pPr>
+              <a:t>5</a:t>
+            </a:fld>
+            <a:endParaRPr lang="en-US" dirty="0"/>
+          </a:p>
+        </p:txBody>
+      </p:sp>
+      <p:sp>
+        <p:nvSpPr>
+          <p:cNvPr id="12" name="[Date Placeholder 3]"/>
+          <p:cNvSpPr>
+            <a:spLocks noGrp="1"/>
+          </p:cNvSpPr>
+          <p:nvPr>
+            <p:ph type="dt" sz="half" idx="10"/>
+          </p:nvPr>
+        </p:nvSpPr>
+        <p:spPr>
+          <a:xfrm>
+            <a:off x="457200" y="18288"/>
+            <a:ext cx="2895600" cy="329184"/>
+          </a:xfrm>
+        </p:spPr>
+        <p:txBody>
+          <a:bodyPr/>
+          <a:lstStyle/>
+          <a:p>
+            <a:pPr>
+              <a:defRPr/>
+            </a:pPr>
+            <a:r>
+              <a:rPr lang="en-US" dirty="0"/>
+              <a:t>© NUS</a:t>
+            </a:r>
+          </a:p>
+        </p:txBody>
+      </p:sp>
+      <p:sp>
+        <p:nvSpPr>
+          <p:cNvPr id="13" name="Rectangle 3"/>
+          <p:cNvSpPr txBox="1">
+            <a:spLocks noChangeArrowheads="1"/>
+          </p:cNvSpPr>
+          <p:nvPr/>
+        </p:nvSpPr>
+        <p:spPr>
+          <a:xfrm>
+            <a:off x="471488" y="1182172"/>
+            <a:ext cx="8382000" cy="4139841"/>
+          </a:xfrm>
+          <a:prstGeom prst="rect">
+            <a:avLst/>
+          </a:prstGeom>
+        </p:spPr>
+        <p:txBody>
+          <a:bodyPr vert="horz" lIns="91440" tIns="45720" rIns="91440" bIns="45720" rtlCol="0">
+            <a:normAutofit/>
+          </a:bodyPr>
+          <a:lstStyle>
+            <a:lvl1pPr marL="182880" indent="-182880" algn="l" defTabSz="914400" rtl="0" eaLnBrk="1" latinLnBrk="0" hangingPunct="1">
+              <a:spcBef>
+                <a:spcPct val="20000"/>
+              </a:spcBef>
+              <a:buClr>
+                <a:schemeClr val="accent1"/>
+              </a:buClr>
+              <a:buSzPct val="85000"/>
+              <a:buFont typeface="Arial" pitchFamily="34" charset="0"/>
+              <a:buChar char="•"/>
+              <a:defRPr sz="2400" kern="1200">
+                <a:solidFill>
+                  <a:schemeClr val="tx1"/>
+                </a:solidFill>
+                <a:latin typeface="+mn-lt"/>
+                <a:ea typeface="+mn-ea"/>
+                <a:cs typeface="+mn-cs"/>
+              </a:defRPr>
+            </a:lvl1pPr>
+            <a:lvl2pPr marL="457200" indent="-182880" algn="l" defTabSz="914400" rtl="0" eaLnBrk="1" latinLnBrk="0" hangingPunct="1">
+              <a:spcBef>
+                <a:spcPct val="20000"/>
+              </a:spcBef>
+              <a:buClr>
+                <a:schemeClr val="accent1"/>
+              </a:buClr>
+              <a:buSzPct val="85000"/>
+              <a:buFont typeface="Arial" pitchFamily="34" charset="0"/>
+              <a:buChar char="•"/>
+              <a:defRPr sz="2000" kern="1200">
+                <a:solidFill>
+                  <a:schemeClr val="tx1"/>
+                </a:solidFill>
+                <a:latin typeface="+mn-lt"/>
+                <a:ea typeface="+mn-ea"/>
+                <a:cs typeface="+mn-cs"/>
+              </a:defRPr>
+            </a:lvl2pPr>
+            <a:lvl3pPr marL="731520" indent="-182880" algn="l" defTabSz="914400" rtl="0" eaLnBrk="1" latinLnBrk="0" hangingPunct="1">
+              <a:spcBef>
+                <a:spcPct val="20000"/>
+              </a:spcBef>
+              <a:buClr>
+                <a:schemeClr val="accent1"/>
+              </a:buClr>
+              <a:buSzPct val="90000"/>
+              <a:buFont typeface="Arial" pitchFamily="34" charset="0"/>
+              <a:buChar char="•"/>
+              <a:defRPr sz="1800" kern="1200">
+                <a:solidFill>
+                  <a:schemeClr val="tx1"/>
+                </a:solidFill>
+                <a:latin typeface="+mn-lt"/>
+                <a:ea typeface="+mn-ea"/>
+                <a:cs typeface="+mn-cs"/>
+              </a:defRPr>
+            </a:lvl3pPr>
+            <a:lvl4pPr marL="1005840" indent="-182880" algn="l" defTabSz="914400" rtl="0" eaLnBrk="1" latinLnBrk="0" hangingPunct="1">
+              <a:spcBef>
+                <a:spcPct val="20000"/>
+              </a:spcBef>
+              <a:buClr>
+                <a:schemeClr val="accent1"/>
+              </a:buClr>
+              <a:buFont typeface="Arial" pitchFamily="34" charset="0"/>
+              <a:buChar char="•"/>
+              <a:defRPr sz="1600" kern="1200">
+                <a:solidFill>
+                  <a:schemeClr val="tx1"/>
+                </a:solidFill>
+                <a:latin typeface="+mn-lt"/>
+                <a:ea typeface="+mn-ea"/>
+                <a:cs typeface="+mn-cs"/>
+              </a:defRPr>
+            </a:lvl4pPr>
+            <a:lvl5pPr marL="1188720" indent="-137160" algn="l" defTabSz="914400" rtl="0" eaLnBrk="1" latinLnBrk="0" hangingPunct="1">
+              <a:spcBef>
+                <a:spcPct val="20000"/>
+              </a:spcBef>
+              <a:buClr>
+                <a:schemeClr val="accent1"/>
+              </a:buClr>
+              <a:buSzPct val="100000"/>
+              <a:buFont typeface="Arial" pitchFamily="34" charset="0"/>
+              <a:buChar char="•"/>
+              <a:defRPr sz="1400" kern="1200" baseline="0">
+                <a:solidFill>
+                  <a:schemeClr val="tx1"/>
+                </a:solidFill>
+                <a:latin typeface="+mn-lt"/>
+                <a:ea typeface="+mn-ea"/>
+                <a:cs typeface="+mn-cs"/>
+              </a:defRPr>
+            </a:lvl5pPr>
+            <a:lvl6pPr marL="1371600" indent="-182880" algn="l" defTabSz="914400" rtl="0" eaLnBrk="1" latinLnBrk="0" hangingPunct="1">
+              <a:spcBef>
+                <a:spcPct val="20000"/>
+              </a:spcBef>
+              <a:buClr>
+                <a:schemeClr val="accent1"/>
+              </a:buClr>
+              <a:buFont typeface="Arial" pitchFamily="34" charset="0"/>
+              <a:buChar char="•"/>
+              <a:defRPr sz="1300" kern="1200">
+                <a:solidFill>
+                  <a:schemeClr val="tx1"/>
+                </a:solidFill>
+                <a:latin typeface="+mn-lt"/>
+                <a:ea typeface="+mn-ea"/>
+                <a:cs typeface="+mn-cs"/>
+              </a:defRPr>
+            </a:lvl6pPr>
+            <a:lvl7pPr marL="1554480" indent="-182880" algn="l" defTabSz="914400" rtl="0" eaLnBrk="1" latinLnBrk="0" hangingPunct="1">
+              <a:spcBef>
+                <a:spcPct val="20000"/>
+              </a:spcBef>
+              <a:buClr>
+                <a:schemeClr val="accent1"/>
+              </a:buClr>
+              <a:buFont typeface="Arial" pitchFamily="34" charset="0"/>
+              <a:buChar char="•"/>
+              <a:defRPr sz="1300" kern="1200">
+                <a:solidFill>
+                  <a:schemeClr val="tx1"/>
+                </a:solidFill>
+                <a:latin typeface="+mn-lt"/>
+                <a:ea typeface="+mn-ea"/>
+                <a:cs typeface="+mn-cs"/>
+              </a:defRPr>
+            </a:lvl7pPr>
+            <a:lvl8pPr marL="1737360" indent="-182880" algn="l" defTabSz="914400" rtl="0" eaLnBrk="1" latinLnBrk="0" hangingPunct="1">
+              <a:spcBef>
+                <a:spcPct val="20000"/>
+              </a:spcBef>
+              <a:buClr>
+                <a:schemeClr val="accent1"/>
+              </a:buClr>
+              <a:buFont typeface="Arial" pitchFamily="34" charset="0"/>
+              <a:buChar char="•"/>
+              <a:defRPr sz="1300" kern="1200">
+                <a:solidFill>
+                  <a:schemeClr val="tx1"/>
+                </a:solidFill>
+                <a:latin typeface="+mn-lt"/>
+                <a:ea typeface="+mn-ea"/>
+                <a:cs typeface="+mn-cs"/>
+              </a:defRPr>
+            </a:lvl8pPr>
+            <a:lvl9pPr marL="1920240" indent="-182880" algn="l" defTabSz="914400" rtl="0" eaLnBrk="1" latinLnBrk="0" hangingPunct="1">
+              <a:spcBef>
+                <a:spcPct val="20000"/>
+              </a:spcBef>
+              <a:buClr>
+                <a:schemeClr val="accent1"/>
+              </a:buClr>
+              <a:buFont typeface="Arial" pitchFamily="34" charset="0"/>
+              <a:buChar char="•"/>
+              <a:defRPr sz="1300" kern="1200">
+                <a:solidFill>
+                  <a:schemeClr val="tx1"/>
+                </a:solidFill>
+                <a:latin typeface="+mn-lt"/>
+                <a:ea typeface="+mn-ea"/>
+                <a:cs typeface="+mn-cs"/>
+              </a:defRPr>
+            </a:lvl9pPr>
+          </a:lstStyle>
+          <a:p>
+            <a:pPr marL="457200" indent="-457200" fontAlgn="auto">
+              <a:spcBef>
+                <a:spcPts val="1200"/>
+              </a:spcBef>
+              <a:spcAft>
+                <a:spcPts val="0"/>
+              </a:spcAft>
+              <a:buClr>
+                <a:schemeClr val="tx1">
+                  <a:lumMod val="90000"/>
+                  <a:lumOff val="10000"/>
+                </a:schemeClr>
+              </a:buClr>
+              <a:buSzPct val="100000"/>
+              <a:buFont typeface="Wingdings" pitchFamily="2" charset="2"/>
+              <a:buChar char="§"/>
+            </a:pPr>
+            <a:r>
+              <a:rPr lang="en-GB" dirty="0"/>
+              <a:t>Not a mechanism for handling errors!</a:t>
+            </a:r>
+          </a:p>
+          <a:p>
+            <a:pPr marL="731520" lvl="1" indent="-457200" fontAlgn="auto">
+              <a:spcBef>
+                <a:spcPts val="1200"/>
+              </a:spcBef>
+              <a:spcAft>
+                <a:spcPts val="0"/>
+              </a:spcAft>
+              <a:buClr>
+                <a:schemeClr val="tx1">
+                  <a:lumMod val="90000"/>
+                  <a:lumOff val="10000"/>
+                </a:schemeClr>
+              </a:buClr>
+              <a:buSzPct val="100000"/>
+              <a:buFont typeface="Wingdings" pitchFamily="2" charset="2"/>
+              <a:buChar char="§"/>
+            </a:pPr>
+            <a:r>
+              <a:rPr lang="en-GB" dirty="0"/>
+              <a:t>Only use it to confirm expected behaviours of your programme / check for logical issues in your program.</a:t>
+            </a:r>
+          </a:p>
+          <a:p>
+            <a:pPr marL="731520" lvl="1" indent="-457200" fontAlgn="auto">
+              <a:spcBef>
+                <a:spcPts val="1200"/>
+              </a:spcBef>
+              <a:spcAft>
+                <a:spcPts val="0"/>
+              </a:spcAft>
+              <a:buClr>
+                <a:schemeClr val="tx1">
+                  <a:lumMod val="90000"/>
+                  <a:lumOff val="10000"/>
+                </a:schemeClr>
+              </a:buClr>
+              <a:buSzPct val="100000"/>
+              <a:buFont typeface="Wingdings" pitchFamily="2" charset="2"/>
+              <a:buChar char="§"/>
+            </a:pPr>
+            <a:endParaRPr lang="en-GB" dirty="0"/>
+          </a:p>
+        </p:txBody>
+      </p:sp>
+      <p:sp>
+        <p:nvSpPr>
+          <p:cNvPr id="8" name="TextBox 7">
+            <a:extLst>
+              <a:ext uri="{FF2B5EF4-FFF2-40B4-BE49-F238E27FC236}">
+                <a16:creationId xmlns:a16="http://schemas.microsoft.com/office/drawing/2014/main" id="{FC7FF6B8-9A9D-464E-BF53-1638665899AA}"/>
+              </a:ext>
+            </a:extLst>
+          </p:cNvPr>
+          <p:cNvSpPr txBox="1"/>
+          <p:nvPr/>
+        </p:nvSpPr>
+        <p:spPr>
+          <a:xfrm>
+            <a:off x="1035987" y="2492697"/>
+            <a:ext cx="4131914" cy="584775"/>
+          </a:xfrm>
+          <a:prstGeom prst="rect">
+            <a:avLst/>
+          </a:prstGeom>
+        </p:spPr>
+        <p:style>
+          <a:lnRef idx="2">
+            <a:schemeClr val="accent6"/>
+          </a:lnRef>
+          <a:fillRef idx="1">
+            <a:schemeClr val="lt1"/>
+          </a:fillRef>
+          <a:effectRef idx="0">
+            <a:schemeClr val="accent6"/>
+          </a:effectRef>
+          <a:fontRef idx="minor">
+            <a:schemeClr val="dk1"/>
+          </a:fontRef>
+        </p:style>
+        <p:txBody>
+          <a:bodyPr wrap="square">
+            <a:spAutoFit/>
+          </a:bodyPr>
+          <a:lstStyle/>
+          <a:p>
+            <a:pPr>
+              <a:defRPr/>
+            </a:pPr>
+            <a:r>
+              <a:rPr lang="en-US" sz="1600" b="1" dirty="0">
+                <a:solidFill>
+                  <a:srgbClr val="0000FF"/>
+                </a:solidFill>
+                <a:latin typeface="Courier New" pitchFamily="49" charset="0"/>
+                <a:cs typeface="Courier New" pitchFamily="49" charset="0"/>
+              </a:rPr>
+              <a:t>long</a:t>
+            </a:r>
+            <a:r>
+              <a:rPr lang="en-US" sz="1600" b="1" dirty="0">
+                <a:solidFill>
+                  <a:schemeClr val="tx1"/>
+                </a:solidFill>
+                <a:latin typeface="Courier New" pitchFamily="49" charset="0"/>
+                <a:cs typeface="Courier New" pitchFamily="49" charset="0"/>
+              </a:rPr>
+              <a:t> input = CS1010_read_long();</a:t>
+            </a:r>
+          </a:p>
+          <a:p>
+            <a:pPr>
+              <a:defRPr/>
+            </a:pPr>
+            <a:r>
+              <a:rPr lang="en-US" sz="1600" b="1" dirty="0">
+                <a:solidFill>
+                  <a:schemeClr val="tx1"/>
+                </a:solidFill>
+                <a:latin typeface="Courier New" pitchFamily="49" charset="0"/>
+                <a:cs typeface="Courier New" pitchFamily="49" charset="0"/>
+              </a:rPr>
+              <a:t>assert (input &gt;= </a:t>
+            </a:r>
+            <a:r>
+              <a:rPr lang="en-US" sz="1600" b="1" dirty="0">
+                <a:solidFill>
+                  <a:srgbClr val="C00000"/>
+                </a:solidFill>
+                <a:latin typeface="Courier New" pitchFamily="49" charset="0"/>
+                <a:cs typeface="Courier New" pitchFamily="49" charset="0"/>
+              </a:rPr>
+              <a:t>0</a:t>
+            </a:r>
+            <a:r>
+              <a:rPr lang="en-US" sz="1600" b="1" dirty="0">
+                <a:solidFill>
+                  <a:schemeClr val="tx1"/>
+                </a:solidFill>
+                <a:latin typeface="Courier New" pitchFamily="49" charset="0"/>
+                <a:cs typeface="Courier New" pitchFamily="49" charset="0"/>
+              </a:rPr>
+              <a:t>);</a:t>
+            </a:r>
+          </a:p>
+        </p:txBody>
+      </p:sp>
+      <p:pic>
+        <p:nvPicPr>
+          <p:cNvPr id="9" name="Picture 8">
+            <a:extLst>
+              <a:ext uri="{FF2B5EF4-FFF2-40B4-BE49-F238E27FC236}">
+                <a16:creationId xmlns:a16="http://schemas.microsoft.com/office/drawing/2014/main" id="{0A3EEE6A-E71B-4EFD-B7F7-6411E54CC981}"/>
+              </a:ext>
+            </a:extLst>
+          </p:cNvPr>
+          <p:cNvPicPr>
+            <a:picLocks noChangeAspect="1"/>
+          </p:cNvPicPr>
+          <p:nvPr/>
+        </p:nvPicPr>
+        <p:blipFill>
+          <a:blip r:embed="rId3" cstate="print">
+            <a:extLst>
+              <a:ext uri="{28A0092B-C50C-407E-A947-70E740481C1C}">
+                <a14:useLocalDpi xmlns:a14="http://schemas.microsoft.com/office/drawing/2010/main" val="0"/>
+              </a:ext>
+            </a:extLst>
+          </a:blip>
+          <a:stretch>
+            <a:fillRect/>
+          </a:stretch>
+        </p:blipFill>
+        <p:spPr>
+          <a:xfrm>
+            <a:off x="5370039" y="2540068"/>
+            <a:ext cx="362361" cy="490032"/>
+          </a:xfrm>
+          <a:prstGeom prst="rect">
+            <a:avLst/>
+          </a:prstGeom>
+        </p:spPr>
+      </p:pic>
+      <p:sp>
+        <p:nvSpPr>
+          <p:cNvPr id="10" name="TextBox 9">
+            <a:extLst>
+              <a:ext uri="{FF2B5EF4-FFF2-40B4-BE49-F238E27FC236}">
+                <a16:creationId xmlns:a16="http://schemas.microsoft.com/office/drawing/2014/main" id="{7C0D7D77-9628-47EB-B4CC-DCCC52F4DDF1}"/>
+              </a:ext>
+            </a:extLst>
+          </p:cNvPr>
+          <p:cNvSpPr txBox="1"/>
+          <p:nvPr/>
+        </p:nvSpPr>
+        <p:spPr>
+          <a:xfrm>
+            <a:off x="1035986" y="3247275"/>
+            <a:ext cx="4696413" cy="1323439"/>
+          </a:xfrm>
+          <a:prstGeom prst="rect">
+            <a:avLst/>
+          </a:prstGeom>
+        </p:spPr>
+        <p:style>
+          <a:lnRef idx="2">
+            <a:schemeClr val="accent6"/>
+          </a:lnRef>
+          <a:fillRef idx="1">
+            <a:schemeClr val="lt1"/>
+          </a:fillRef>
+          <a:effectRef idx="0">
+            <a:schemeClr val="accent6"/>
+          </a:effectRef>
+          <a:fontRef idx="minor">
+            <a:schemeClr val="dk1"/>
+          </a:fontRef>
+        </p:style>
+        <p:txBody>
+          <a:bodyPr wrap="square">
+            <a:spAutoFit/>
+          </a:bodyPr>
+          <a:lstStyle/>
+          <a:p>
+            <a:pPr>
+              <a:defRPr/>
+            </a:pPr>
+            <a:r>
+              <a:rPr lang="en-US" sz="1600" b="1" dirty="0">
+                <a:solidFill>
+                  <a:srgbClr val="0000FF"/>
+                </a:solidFill>
+                <a:latin typeface="Courier New" pitchFamily="49" charset="0"/>
+                <a:cs typeface="Courier New" pitchFamily="49" charset="0"/>
+              </a:rPr>
+              <a:t>long</a:t>
+            </a:r>
+            <a:r>
+              <a:rPr lang="en-US" sz="1600" b="1" dirty="0">
+                <a:solidFill>
+                  <a:schemeClr val="tx1"/>
+                </a:solidFill>
+                <a:latin typeface="Courier New" pitchFamily="49" charset="0"/>
+                <a:cs typeface="Courier New" pitchFamily="49" charset="0"/>
+              </a:rPr>
+              <a:t> input = CS1010_read_long();</a:t>
+            </a:r>
+          </a:p>
+          <a:p>
+            <a:pPr>
+              <a:defRPr/>
+            </a:pPr>
+            <a:r>
+              <a:rPr lang="en-US" sz="1600" b="1" dirty="0">
+                <a:solidFill>
+                  <a:srgbClr val="0000FF"/>
+                </a:solidFill>
+                <a:latin typeface="Courier New" pitchFamily="49" charset="0"/>
+                <a:cs typeface="Courier New" pitchFamily="49" charset="0"/>
+              </a:rPr>
+              <a:t>while </a:t>
+            </a:r>
+            <a:r>
+              <a:rPr lang="en-US" sz="1600" b="1" dirty="0">
+                <a:solidFill>
+                  <a:schemeClr val="tx1"/>
+                </a:solidFill>
+                <a:latin typeface="Courier New" pitchFamily="49" charset="0"/>
+                <a:cs typeface="Courier New" pitchFamily="49" charset="0"/>
+              </a:rPr>
+              <a:t>(input &lt; </a:t>
+            </a:r>
+            <a:r>
+              <a:rPr lang="en-US" sz="1600" b="1" dirty="0">
+                <a:solidFill>
+                  <a:srgbClr val="C00000"/>
+                </a:solidFill>
+                <a:latin typeface="Courier New" pitchFamily="49" charset="0"/>
+                <a:cs typeface="Courier New" pitchFamily="49" charset="0"/>
+              </a:rPr>
+              <a:t>0</a:t>
+            </a:r>
+            <a:r>
+              <a:rPr lang="en-US" sz="1600" b="1" dirty="0">
+                <a:solidFill>
+                  <a:schemeClr val="tx1"/>
+                </a:solidFill>
+                <a:latin typeface="Courier New" pitchFamily="49" charset="0"/>
+                <a:cs typeface="Courier New" pitchFamily="49" charset="0"/>
+              </a:rPr>
+              <a:t>){</a:t>
+            </a:r>
+          </a:p>
+          <a:p>
+            <a:pPr>
+              <a:defRPr/>
+            </a:pPr>
+            <a:r>
+              <a:rPr lang="en-US" sz="1600" b="1" dirty="0">
+                <a:solidFill>
+                  <a:srgbClr val="006600"/>
+                </a:solidFill>
+                <a:latin typeface="Courier New" pitchFamily="49" charset="0"/>
+                <a:cs typeface="Courier New" pitchFamily="49" charset="0"/>
+              </a:rPr>
+              <a:t>    // print some error message and</a:t>
+            </a:r>
+          </a:p>
+          <a:p>
+            <a:pPr>
+              <a:defRPr/>
+            </a:pPr>
+            <a:r>
+              <a:rPr lang="en-US" sz="1600" b="1" dirty="0">
+                <a:solidFill>
+                  <a:srgbClr val="006600"/>
+                </a:solidFill>
+                <a:latin typeface="Courier New" pitchFamily="49" charset="0"/>
+                <a:cs typeface="Courier New" pitchFamily="49" charset="0"/>
+              </a:rPr>
+              <a:t>    // read the input again…</a:t>
+            </a:r>
+          </a:p>
+          <a:p>
+            <a:pPr>
+              <a:defRPr/>
+            </a:pPr>
+            <a:r>
+              <a:rPr lang="en-US" sz="1600" b="1" dirty="0">
+                <a:solidFill>
+                  <a:schemeClr val="tx1"/>
+                </a:solidFill>
+                <a:latin typeface="Courier New" pitchFamily="49" charset="0"/>
+                <a:cs typeface="Courier New" pitchFamily="49" charset="0"/>
+              </a:rPr>
+              <a:t>}</a:t>
+            </a:r>
+          </a:p>
+        </p:txBody>
+      </p:sp>
+      <p:pic>
+        <p:nvPicPr>
+          <p:cNvPr id="14" name="Picture 13">
+            <a:extLst>
+              <a:ext uri="{FF2B5EF4-FFF2-40B4-BE49-F238E27FC236}">
+                <a16:creationId xmlns:a16="http://schemas.microsoft.com/office/drawing/2014/main" id="{598076B0-E500-48A3-9BB1-CFA6CED1F71E}"/>
+              </a:ext>
+            </a:extLst>
+          </p:cNvPr>
+          <p:cNvPicPr>
+            <a:picLocks noChangeAspect="1"/>
+          </p:cNvPicPr>
+          <p:nvPr/>
+        </p:nvPicPr>
+        <p:blipFill>
+          <a:blip r:embed="rId4" cstate="print">
+            <a:extLst>
+              <a:ext uri="{28A0092B-C50C-407E-A947-70E740481C1C}">
+                <a14:useLocalDpi xmlns:a14="http://schemas.microsoft.com/office/drawing/2010/main" val="0"/>
+              </a:ext>
+            </a:extLst>
+          </a:blip>
+          <a:stretch>
+            <a:fillRect/>
+          </a:stretch>
+        </p:blipFill>
+        <p:spPr>
+          <a:xfrm>
+            <a:off x="5864325" y="3526797"/>
+            <a:ext cx="415645" cy="523714"/>
+          </a:xfrm>
+          <a:prstGeom prst="rect">
+            <a:avLst/>
+          </a:prstGeom>
+        </p:spPr>
+      </p:pic>
+    </p:spTree>
+    <p:extLst>
+      <p:ext uri="{BB962C8B-B14F-4D97-AF65-F5344CB8AC3E}">
+        <p14:creationId xmlns:p14="http://schemas.microsoft.com/office/powerpoint/2010/main" val="3868737477"/>
+      </p:ext>
+    </p:extLst>
+  </p:cSld>
+  <p:clrMapOvr>
+    <a:masterClrMapping/>
+  </p:clrMapOvr>
+  <p:transition>
+    <p:fade/>
+  </p:transition>
+  <p:timing>
+    <p:tnLst>
+      <p:par>
+        <p:cTn id="1" dur="indefinite" restart="never" nodeType="tmRoot">
+          <p:childTnLst>
+            <p:seq concurrent="1" nextAc="seek">
+              <p:cTn id="2" dur="indefinite" nodeType="mainSeq">
+                <p:childTnLst>
+                  <p:par>
+                    <p:cTn id="3" fill="hold">
+                      <p:stCondLst>
+                        <p:cond delay="indefinite"/>
+                        <p:cond evt="onBegin" delay="0">
+                          <p:tn val="2"/>
+                        </p:cond>
+                      </p:stCondLst>
+                      <p:childTnLst>
+                        <p:par>
+                          <p:cTn id="4" fill="hold">
+                            <p:stCondLst>
+                              <p:cond delay="0"/>
+                            </p:stCondLst>
+                            <p:childTnLst>
+                              <p:par>
+                                <p:cTn id="5" presetID="9" presetClass="entr" presetSubtype="0" fill="hold" grpId="0" nodeType="afterEffect">
+                                  <p:stCondLst>
+                                    <p:cond delay="0"/>
+                                  </p:stCondLst>
+                                  <p:childTnLst>
+                                    <p:set>
+                                      <p:cBhvr>
+                                        <p:cTn id="6" dur="1" fill="hold">
+                                          <p:stCondLst>
+                                            <p:cond delay="0"/>
+                                          </p:stCondLst>
+                                        </p:cTn>
+                                        <p:tgtEl>
+                                          <p:spTgt spid="8"/>
+                                        </p:tgtEl>
+                                        <p:attrNameLst>
+                                          <p:attrName>style.visibility</p:attrName>
+                                        </p:attrNameLst>
+                                      </p:cBhvr>
+                                      <p:to>
+                                        <p:strVal val="visible"/>
+                                      </p:to>
+                                    </p:set>
+                                    <p:animEffect transition="in" filter="dissolve">
+                                      <p:cBhvr>
+                                        <p:cTn id="7" dur="500"/>
+                                        <p:tgtEl>
+                                          <p:spTgt spid="8"/>
+                                        </p:tgtEl>
+                                      </p:cBhvr>
+                                    </p:animEffect>
+                                  </p:childTnLst>
+                                </p:cTn>
+                              </p:par>
+                            </p:childTnLst>
+                          </p:cTn>
+                        </p:par>
+                        <p:par>
+                          <p:cTn id="8" fill="hold">
+                            <p:stCondLst>
+                              <p:cond delay="500"/>
+                            </p:stCondLst>
+                            <p:childTnLst>
+                              <p:par>
+                                <p:cTn id="9" presetID="9" presetClass="entr" presetSubtype="0" fill="hold" grpId="0" nodeType="afterEffect">
+                                  <p:stCondLst>
+                                    <p:cond delay="0"/>
+                                  </p:stCondLst>
+                                  <p:childTnLst>
+                                    <p:set>
+                                      <p:cBhvr>
+                                        <p:cTn id="10" dur="1" fill="hold">
+                                          <p:stCondLst>
+                                            <p:cond delay="0"/>
+                                          </p:stCondLst>
+                                        </p:cTn>
+                                        <p:tgtEl>
+                                          <p:spTgt spid="10"/>
+                                        </p:tgtEl>
+                                        <p:attrNameLst>
+                                          <p:attrName>style.visibility</p:attrName>
+                                        </p:attrNameLst>
+                                      </p:cBhvr>
+                                      <p:to>
+                                        <p:strVal val="visible"/>
+                                      </p:to>
+                                    </p:set>
+                                    <p:animEffect transition="in" filter="dissolve">
+                                      <p:cBhvr>
+                                        <p:cTn id="11" dur="500"/>
+                                        <p:tgtEl>
+                                          <p:spTgt spid="10"/>
+                                        </p:tgtEl>
+                                      </p:cBhvr>
+                                    </p:animEffect>
+                                  </p:childTnLst>
+                                </p:cTn>
+                              </p:par>
+                            </p:childTnLst>
+                          </p:cTn>
+                        </p:par>
+                      </p:childTnLst>
+                    </p:cTn>
+                  </p:par>
+                </p:childTnLst>
+              </p:cTn>
+              <p:prevCondLst>
+                <p:cond evt="onPrev" delay="0">
+                  <p:tgtEl>
+                    <p:sldTgt/>
+                  </p:tgtEl>
+                </p:cond>
+              </p:prevCondLst>
+              <p:nextCondLst>
+                <p:cond evt="onNext" delay="0">
+                  <p:tgtEl>
+                    <p:sldTgt/>
+                  </p:tgtEl>
+                </p:cond>
+              </p:nextCondLst>
+            </p:seq>
+          </p:childTnLst>
+        </p:cTn>
+      </p:par>
+    </p:tnLst>
+    <p:bldLst>
+      <p:bldP spid="8" grpId="0" animBg="1"/>
+      <p:bldP spid="10" grpId="0" animBg="1"/>
     </p:bldLst>
   </p:timing>
 </p:sld>
